--- a/03-WebTechnologies/WebTechnologies.pptx
+++ b/03-WebTechnologies/WebTechnologies.pptx
@@ -5899,7 +5899,7 @@
           <a:p>
             <a:fld id="{C106EF3D-C2A7-4690-80C8-C2473A856193}" type="datetimeFigureOut">
               <a:rPr lang="pl-PL" smtClean="0"/>
-              <a:t>2019-11-05</a:t>
+              <a:t>2019-11-23</a:t>
             </a:fld>
             <a:endParaRPr lang="pl-PL" dirty="0"/>
           </a:p>
@@ -6064,7 +6064,7 @@
           <a:p>
             <a:fld id="{85D68E81-03CD-43A1-B18B-BEB6B9439387}" type="datetimeFigureOut">
               <a:rPr lang="pl-PL" smtClean="0"/>
-              <a:t>2019-11-05</a:t>
+              <a:t>2019-11-23</a:t>
             </a:fld>
             <a:endParaRPr lang="pl-PL" dirty="0"/>
           </a:p>
@@ -6628,7 +6628,7 @@
           <a:p>
             <a:fld id="{F26B3061-B9B7-461F-AB67-5D66A3ABCDA5}" type="datetime1">
               <a:rPr lang="pl-PL" smtClean="0"/>
-              <a:t>2019-11-05</a:t>
+              <a:t>2019-11-23</a:t>
             </a:fld>
             <a:endParaRPr lang="pl-PL" dirty="0"/>
           </a:p>
@@ -6903,7 +6903,7 @@
           <a:p>
             <a:fld id="{A2ADAE54-1728-4B6D-BEF4-D2AEA4F8114E}" type="datetime1">
               <a:rPr lang="pl-PL" smtClean="0"/>
-              <a:t>2019-11-05</a:t>
+              <a:t>2019-11-23</a:t>
             </a:fld>
             <a:endParaRPr lang="pl-PL" dirty="0"/>
           </a:p>
@@ -7155,7 +7155,7 @@
           <a:p>
             <a:fld id="{919C3B4F-179D-44ED-90DF-E8739DC8608F}" type="datetime1">
               <a:rPr lang="pl-PL" smtClean="0"/>
-              <a:t>2019-11-05</a:t>
+              <a:t>2019-11-23</a:t>
             </a:fld>
             <a:endParaRPr lang="pl-PL" dirty="0"/>
           </a:p>
@@ -7323,7 +7323,7 @@
           <a:p>
             <a:fld id="{10A2297D-8C4B-4C5B-B66E-47E601842B03}" type="datetime1">
               <a:rPr lang="pl-PL" smtClean="0"/>
-              <a:t>2019-11-05</a:t>
+              <a:t>2019-11-23</a:t>
             </a:fld>
             <a:endParaRPr lang="pl-PL" dirty="0"/>
           </a:p>
@@ -7501,7 +7501,7 @@
           <a:p>
             <a:fld id="{94B42B50-113C-45E3-9231-B66C297B394E}" type="datetime1">
               <a:rPr lang="pl-PL" smtClean="0"/>
-              <a:t>2019-11-05</a:t>
+              <a:t>2019-11-23</a:t>
             </a:fld>
             <a:endParaRPr lang="pl-PL" dirty="0"/>
           </a:p>
@@ -7658,7 +7658,7 @@
           <a:p>
             <a:fld id="{9549FAE5-AB97-492F-ADAE-06E72624D9F3}" type="datetime1">
               <a:rPr lang="pl-PL" smtClean="0"/>
-              <a:t>2019-11-05</a:t>
+              <a:t>2019-11-23</a:t>
             </a:fld>
             <a:endParaRPr lang="pl-PL" dirty="0"/>
           </a:p>
@@ -7846,7 +7846,7 @@
           <a:p>
             <a:fld id="{9549FAE5-AB97-492F-ADAE-06E72624D9F3}" type="datetime1">
               <a:rPr lang="pl-PL" smtClean="0"/>
-              <a:t>2019-11-05</a:t>
+              <a:t>2019-11-23</a:t>
             </a:fld>
             <a:endParaRPr lang="pl-PL" dirty="0"/>
           </a:p>
@@ -8033,7 +8033,7 @@
           <a:p>
             <a:fld id="{9549FAE5-AB97-492F-ADAE-06E72624D9F3}" type="datetime1">
               <a:rPr lang="pl-PL" smtClean="0"/>
-              <a:t>2019-11-05</a:t>
+              <a:t>2019-11-23</a:t>
             </a:fld>
             <a:endParaRPr lang="pl-PL" dirty="0"/>
           </a:p>
@@ -8305,7 +8305,7 @@
           <a:p>
             <a:fld id="{ED0EDA0A-F020-4B01-AF63-E290248EFD6B}" type="datetime1">
               <a:rPr lang="pl-PL" smtClean="0"/>
-              <a:t>2019-11-05</a:t>
+              <a:t>2019-11-23</a:t>
             </a:fld>
             <a:endParaRPr lang="pl-PL" dirty="0"/>
           </a:p>
@@ -8561,7 +8561,7 @@
           <a:p>
             <a:fld id="{8B752FBA-2CC8-4F32-B36A-B6E16B4A5C14}" type="datetime1">
               <a:rPr lang="pl-PL" smtClean="0"/>
-              <a:t>2019-11-05</a:t>
+              <a:t>2019-11-23</a:t>
             </a:fld>
             <a:endParaRPr lang="pl-PL" dirty="0"/>
           </a:p>
@@ -8947,7 +8947,7 @@
           <a:p>
             <a:fld id="{3B7BA32A-B79B-42FE-906A-2593AD6A7FCC}" type="datetime1">
               <a:rPr lang="pl-PL" smtClean="0"/>
-              <a:t>2019-11-05</a:t>
+              <a:t>2019-11-23</a:t>
             </a:fld>
             <a:endParaRPr lang="pl-PL" dirty="0"/>
           </a:p>
@@ -9069,7 +9069,7 @@
           <a:p>
             <a:fld id="{3E28EDCB-CC2B-4C70-B921-DD5382BD4849}" type="datetime1">
               <a:rPr lang="pl-PL" smtClean="0"/>
-              <a:t>2019-11-05</a:t>
+              <a:t>2019-11-23</a:t>
             </a:fld>
             <a:endParaRPr lang="pl-PL" dirty="0"/>
           </a:p>
@@ -9164,7 +9164,7 @@
           <a:p>
             <a:fld id="{E960CF9B-2F8C-4614-93FE-75BD5748BF99}" type="datetime1">
               <a:rPr lang="pl-PL" smtClean="0"/>
-              <a:t>2019-11-05</a:t>
+              <a:t>2019-11-23</a:t>
             </a:fld>
             <a:endParaRPr lang="pl-PL" dirty="0"/>
           </a:p>
@@ -9380,7 +9380,7 @@
           <a:p>
             <a:fld id="{8F276EAB-4011-4C81-ACEC-B79731A9A244}" type="datetime1">
               <a:rPr lang="pl-PL" smtClean="0"/>
-              <a:t>2019-11-05</a:t>
+              <a:t>2019-11-23</a:t>
             </a:fld>
             <a:endParaRPr lang="pl-PL" dirty="0"/>
           </a:p>
@@ -11804,7 +11804,7 @@
           <a:p>
             <a:r>
               <a:rPr lang="en-US" dirty="0">
-                <a:hlinkClick r:id="rId2" action="ppaction://hlinkfile"/>
+                <a:hlinkClick r:id="rId3"/>
               </a:rPr>
               <a:t>Array methods to operate on array</a:t>
             </a:r>
